--- a/資料/20210615_陳韋翰_報告.pptx
+++ b/資料/20210615_陳韋翰_報告.pptx
@@ -121,10 +121,10 @@
   </p:defaultTextStyle>
   <p:extLst>
     <p:ext uri="{EFAFB233-063F-42B5-8137-9DF3F51BA10A}">
-      <p15:sldGuideLst xmlns:p15="http://schemas.microsoft.com/office/powerpoint/2012/main" xmlns=""/>
+      <p15:sldGuideLst xmlns="" xmlns:p15="http://schemas.microsoft.com/office/powerpoint/2012/main"/>
     </p:ext>
     <p:ext uri="{2D200454-40CA-4A62-9FC3-DE9A4176ACB9}">
-      <p15:notesGuideLst xmlns:p15="http://schemas.microsoft.com/office/powerpoint/2012/main" xmlns=""/>
+      <p15:notesGuideLst xmlns="" xmlns:p15="http://schemas.microsoft.com/office/powerpoint/2012/main"/>
     </p:ext>
   </p:extLst>
 </p:presentation>
@@ -3786,14 +3786,14 @@
                 <a:gridCol w="4061229">
                   <a:extLst>
                     <a:ext uri="{9D8B030D-6E8A-4147-A177-3AD203B41FA5}">
-                      <a16:colId xmlns:a16="http://schemas.microsoft.com/office/drawing/2014/main" xmlns="" val="2452615159"/>
+                      <a16:colId xmlns="" xmlns:a16="http://schemas.microsoft.com/office/drawing/2014/main" val="2452615159"/>
                     </a:ext>
                   </a:extLst>
                 </a:gridCol>
                 <a:gridCol w="4066771">
                   <a:extLst>
                     <a:ext uri="{9D8B030D-6E8A-4147-A177-3AD203B41FA5}">
-                      <a16:colId xmlns:a16="http://schemas.microsoft.com/office/drawing/2014/main" xmlns="" val="2256387787"/>
+                      <a16:colId xmlns="" xmlns:a16="http://schemas.microsoft.com/office/drawing/2014/main" val="2256387787"/>
                     </a:ext>
                   </a:extLst>
                 </a:gridCol>
@@ -3968,7 +3968,7 @@
                 </a:tc>
                 <a:extLst>
                   <a:ext uri="{0D108BD9-81ED-4DB2-BD59-A6C34878D82A}">
-                    <a16:rowId xmlns:a16="http://schemas.microsoft.com/office/drawing/2014/main" xmlns="" val="374738649"/>
+                    <a16:rowId xmlns="" xmlns:a16="http://schemas.microsoft.com/office/drawing/2014/main" val="374738649"/>
                   </a:ext>
                 </a:extLst>
               </a:tr>
@@ -4154,7 +4154,7 @@
                 </a:tc>
                 <a:extLst>
                   <a:ext uri="{0D108BD9-81ED-4DB2-BD59-A6C34878D82A}">
-                    <a16:rowId xmlns:a16="http://schemas.microsoft.com/office/drawing/2014/main" xmlns="" val="1472252889"/>
+                    <a16:rowId xmlns="" xmlns:a16="http://schemas.microsoft.com/office/drawing/2014/main" val="1472252889"/>
                   </a:ext>
                 </a:extLst>
               </a:tr>
@@ -5995,23 +5995,7 @@
                 <a:ea typeface="微軟正黑體" panose="020B0604030504040204" pitchFamily="34" charset="-120"/>
                 <a:cs typeface="Times New Roman" panose="02020603050405020304" pitchFamily="18" charset="0"/>
               </a:rPr>
-              <a:t>與</a:t>
-            </a:r>
-            <a:r>
-              <a:rPr lang="zh-TW" altLang="en-US" sz="2400" b="1" dirty="0" smtClean="0">
-                <a:latin typeface="微軟正黑體" panose="020B0604030504040204" pitchFamily="34" charset="-120"/>
-                <a:ea typeface="微軟正黑體" panose="020B0604030504040204" pitchFamily="34" charset="-120"/>
-                <a:cs typeface="Times New Roman" panose="02020603050405020304" pitchFamily="18" charset="0"/>
-              </a:rPr>
-              <a:t>工研院</a:t>
-            </a:r>
-            <a:r>
-              <a:rPr lang="zh-TW" altLang="en-US" sz="2400" b="1" dirty="0" smtClean="0">
-                <a:latin typeface="微軟正黑體" panose="020B0604030504040204" pitchFamily="34" charset="-120"/>
-                <a:ea typeface="微軟正黑體" panose="020B0604030504040204" pitchFamily="34" charset="-120"/>
-                <a:cs typeface="Times New Roman" panose="02020603050405020304" pitchFamily="18" charset="0"/>
-              </a:rPr>
-              <a:t>合作</a:t>
+              <a:t>與工研院合作</a:t>
             </a:r>
             <a:endParaRPr lang="en-US" altLang="zh-TW" sz="2400" b="1" dirty="0">
               <a:latin typeface="微軟正黑體" panose="020B0604030504040204" pitchFamily="34" charset="-120"/>
@@ -7166,15 +7150,7 @@
                 <a:ea typeface="微軟正黑體" panose="020B0604030504040204" pitchFamily="34" charset="-120"/>
                 <a:cs typeface="Times New Roman" panose="02020603050405020304" pitchFamily="18" charset="0"/>
               </a:rPr>
-              <a:t>通訊</a:t>
-            </a:r>
-            <a:r>
-              <a:rPr lang="zh-TW" altLang="en-US" sz="2000" b="1" dirty="0" smtClean="0">
-                <a:latin typeface="微軟正黑體" panose="020B0604030504040204" pitchFamily="34" charset="-120"/>
-                <a:ea typeface="微軟正黑體" panose="020B0604030504040204" pitchFamily="34" charset="-120"/>
-                <a:cs typeface="Times New Roman" panose="02020603050405020304" pitchFamily="18" charset="0"/>
-              </a:rPr>
-              <a:t>協議</a:t>
+              <a:t>通訊協議</a:t>
             </a:r>
             <a:endParaRPr lang="en-US" altLang="zh-TW" sz="2000" b="1" dirty="0" smtClean="0">
               <a:latin typeface="微軟正黑體" panose="020B0604030504040204" pitchFamily="34" charset="-120"/>
@@ -7215,11 +7191,6 @@
               </a:rPr>
               <a:t>on CAN</a:t>
             </a:r>
-            <a:endParaRPr lang="en-US" altLang="zh-TW" sz="2000" b="1" dirty="0" smtClean="0">
-              <a:latin typeface="微軟正黑體" panose="020B0604030504040204" pitchFamily="34" charset="-120"/>
-              <a:ea typeface="微軟正黑體" panose="020B0604030504040204" pitchFamily="34" charset="-120"/>
-              <a:cs typeface="Times New Roman" panose="02020603050405020304" pitchFamily="18" charset="0"/>
-            </a:endParaRPr>
           </a:p>
           <a:p>
             <a:pPr marL="342900" indent="-342900">
@@ -7252,15 +7223,7 @@
                 <a:ea typeface="微軟正黑體" panose="020B0604030504040204" pitchFamily="34" charset="-120"/>
                 <a:cs typeface="Times New Roman" panose="02020603050405020304" pitchFamily="18" charset="0"/>
               </a:rPr>
-              <a:t>藍芽模組</a:t>
-            </a:r>
-            <a:r>
-              <a:rPr lang="zh-TW" altLang="en-US" sz="2000" b="1" dirty="0" smtClean="0">
-                <a:latin typeface="微軟正黑體" panose="020B0604030504040204" pitchFamily="34" charset="-120"/>
-                <a:ea typeface="微軟正黑體" panose="020B0604030504040204" pitchFamily="34" charset="-120"/>
-                <a:cs typeface="Times New Roman" panose="02020603050405020304" pitchFamily="18" charset="0"/>
-              </a:rPr>
-              <a:t>板</a:t>
+              <a:t>藍芽模組板</a:t>
             </a:r>
             <a:endParaRPr lang="en-US" altLang="zh-TW" sz="2000" b="1" dirty="0" smtClean="0">
               <a:latin typeface="微軟正黑體" panose="020B0604030504040204" pitchFamily="34" charset="-120"/>
@@ -7330,15 +7293,7 @@
                 <a:ea typeface="微軟正黑體" panose="020B0604030504040204" pitchFamily="34" charset="-120"/>
                 <a:cs typeface="Times New Roman" panose="02020603050405020304" pitchFamily="18" charset="0"/>
               </a:rPr>
-              <a:t>車</a:t>
-            </a:r>
-            <a:r>
-              <a:rPr lang="zh-TW" altLang="en-US" sz="2000" b="1" dirty="0" smtClean="0">
-                <a:latin typeface="微軟正黑體" panose="020B0604030504040204" pitchFamily="34" charset="-120"/>
-                <a:ea typeface="微軟正黑體" panose="020B0604030504040204" pitchFamily="34" charset="-120"/>
-                <a:cs typeface="Times New Roman" panose="02020603050405020304" pitchFamily="18" charset="0"/>
-              </a:rPr>
-              <a:t>載診斷</a:t>
+              <a:t>車載診斷</a:t>
             </a:r>
             <a:endParaRPr lang="en-US" altLang="zh-TW" sz="2000" b="1" dirty="0" smtClean="0">
               <a:latin typeface="微軟正黑體" panose="020B0604030504040204" pitchFamily="34" charset="-120"/>
@@ -7350,7 +7305,7 @@
       </p:sp>
       <p:pic>
         <p:nvPicPr>
-          <p:cNvPr id="1026" name="Picture 2"/>
+          <p:cNvPr id="1027" name="Picture 3"/>
           <p:cNvPicPr>
             <a:picLocks noChangeAspect="1" noChangeArrowheads="1"/>
           </p:cNvPicPr>
@@ -7371,8 +7326,8 @@
         </p:blipFill>
         <p:spPr bwMode="auto">
           <a:xfrm>
-            <a:off x="0" y="2621280"/>
-            <a:ext cx="7819408" cy="2987040"/>
+            <a:off x="124994" y="2694193"/>
+            <a:ext cx="7144633" cy="3223529"/>
           </a:xfrm>
           <a:prstGeom prst="rect">
             <a:avLst/>
@@ -7552,7 +7507,15 @@
                 <a:ea typeface="微軟正黑體" panose="020B0604030504040204" pitchFamily="34" charset="-120"/>
                 <a:cs typeface="Times New Roman" panose="02020603050405020304" pitchFamily="18" charset="0"/>
               </a:rPr>
-              <a:t>控制無感測</a:t>
+              <a:t>控制無感測晶片</a:t>
+            </a:r>
+            <a:r>
+              <a:rPr lang="en-US" altLang="zh-TW" sz="2000" b="1" dirty="0" smtClean="0">
+                <a:latin typeface="微軟正黑體" panose="020B0604030504040204" pitchFamily="34" charset="-120"/>
+                <a:ea typeface="微軟正黑體" panose="020B0604030504040204" pitchFamily="34" charset="-120"/>
+                <a:cs typeface="Times New Roman" panose="02020603050405020304" pitchFamily="18" charset="0"/>
+              </a:rPr>
+              <a:t>(</a:t>
             </a:r>
             <a:r>
               <a:rPr lang="zh-TW" altLang="en-US" sz="2000" b="1" dirty="0" smtClean="0">
@@ -7560,7 +7523,7 @@
                 <a:ea typeface="微軟正黑體" panose="020B0604030504040204" pitchFamily="34" charset="-120"/>
                 <a:cs typeface="Times New Roman" panose="02020603050405020304" pitchFamily="18" charset="0"/>
               </a:rPr>
-              <a:t>晶片</a:t>
+              <a:t>轉速命令、保護條件</a:t>
             </a:r>
             <a:r>
               <a:rPr lang="en-US" altLang="zh-TW" sz="2000" b="1" dirty="0" smtClean="0">
@@ -7568,29 +7531,8 @@
                 <a:ea typeface="微軟正黑體" panose="020B0604030504040204" pitchFamily="34" charset="-120"/>
                 <a:cs typeface="Times New Roman" panose="02020603050405020304" pitchFamily="18" charset="0"/>
               </a:rPr>
-              <a:t>(</a:t>
-            </a:r>
-            <a:r>
-              <a:rPr lang="zh-TW" altLang="en-US" sz="2000" b="1" dirty="0" smtClean="0">
-                <a:latin typeface="微軟正黑體" panose="020B0604030504040204" pitchFamily="34" charset="-120"/>
-                <a:ea typeface="微軟正黑體" panose="020B0604030504040204" pitchFamily="34" charset="-120"/>
-                <a:cs typeface="Times New Roman" panose="02020603050405020304" pitchFamily="18" charset="0"/>
-              </a:rPr>
-              <a:t>轉速命令、保護條件</a:t>
-            </a:r>
-            <a:r>
-              <a:rPr lang="en-US" altLang="zh-TW" sz="2000" b="1" dirty="0" smtClean="0">
-                <a:latin typeface="微軟正黑體" panose="020B0604030504040204" pitchFamily="34" charset="-120"/>
-                <a:ea typeface="微軟正黑體" panose="020B0604030504040204" pitchFamily="34" charset="-120"/>
-                <a:cs typeface="Times New Roman" panose="02020603050405020304" pitchFamily="18" charset="0"/>
-              </a:rPr>
               <a:t>)</a:t>
             </a:r>
-            <a:endParaRPr lang="en-US" altLang="zh-TW" sz="2000" b="1" dirty="0" smtClean="0">
-              <a:latin typeface="微軟正黑體" panose="020B0604030504040204" pitchFamily="34" charset="-120"/>
-              <a:ea typeface="微軟正黑體" panose="020B0604030504040204" pitchFamily="34" charset="-120"/>
-              <a:cs typeface="Times New Roman" panose="02020603050405020304" pitchFamily="18" charset="0"/>
-            </a:endParaRPr>
           </a:p>
           <a:p>
             <a:pPr marL="342900" indent="-342900">
@@ -8334,7 +8276,7 @@
             <p:cNvPr id="6" name="사각형: 둥근 모서리 16">
               <a:extLst>
                 <a:ext uri="{FF2B5EF4-FFF2-40B4-BE49-F238E27FC236}">
-                  <a16:creationId xmlns:a16="http://schemas.microsoft.com/office/drawing/2014/main" xmlns="" id="{C7C7A6D0-3CE1-49B9-B7D1-61BEC30CE42C}"/>
+                  <a16:creationId xmlns="" xmlns:a16="http://schemas.microsoft.com/office/drawing/2014/main" id="{C7C7A6D0-3CE1-49B9-B7D1-61BEC30CE42C}"/>
                 </a:ext>
               </a:extLst>
             </p:cNvPr>
@@ -8394,7 +8336,7 @@
             <p:cNvPr id="7" name="그림 35">
               <a:extLst>
                 <a:ext uri="{FF2B5EF4-FFF2-40B4-BE49-F238E27FC236}">
-                  <a16:creationId xmlns:a16="http://schemas.microsoft.com/office/drawing/2014/main" xmlns="" id="{B5CEBDD9-B095-4877-8DFE-A3ECA2A3A4F9}"/>
+                  <a16:creationId xmlns="" xmlns:a16="http://schemas.microsoft.com/office/drawing/2014/main" id="{B5CEBDD9-B095-4877-8DFE-A3ECA2A3A4F9}"/>
                 </a:ext>
               </a:extLst>
             </p:cNvPr>
@@ -8522,7 +8464,7 @@
             <p:cNvPr id="16" name="사각형: 둥근 모서리 16">
               <a:extLst>
                 <a:ext uri="{FF2B5EF4-FFF2-40B4-BE49-F238E27FC236}">
-                  <a16:creationId xmlns:a16="http://schemas.microsoft.com/office/drawing/2014/main" xmlns="" id="{C7C7A6D0-3CE1-49B9-B7D1-61BEC30CE42C}"/>
+                  <a16:creationId xmlns="" xmlns:a16="http://schemas.microsoft.com/office/drawing/2014/main" id="{C7C7A6D0-3CE1-49B9-B7D1-61BEC30CE42C}"/>
                 </a:ext>
               </a:extLst>
             </p:cNvPr>
@@ -8582,7 +8524,7 @@
             <p:cNvPr id="17" name="그림 47">
               <a:extLst>
                 <a:ext uri="{FF2B5EF4-FFF2-40B4-BE49-F238E27FC236}">
-                  <a16:creationId xmlns:a16="http://schemas.microsoft.com/office/drawing/2014/main" xmlns="" id="{B5CEBDD9-B095-4877-8DFE-A3ECA2A3A4F9}"/>
+                  <a16:creationId xmlns="" xmlns:a16="http://schemas.microsoft.com/office/drawing/2014/main" id="{B5CEBDD9-B095-4877-8DFE-A3ECA2A3A4F9}"/>
                 </a:ext>
               </a:extLst>
             </p:cNvPr>
@@ -8710,7 +8652,7 @@
             <p:cNvPr id="19" name="사각형: 둥근 모서리 16">
               <a:extLst>
                 <a:ext uri="{FF2B5EF4-FFF2-40B4-BE49-F238E27FC236}">
-                  <a16:creationId xmlns:a16="http://schemas.microsoft.com/office/drawing/2014/main" xmlns="" id="{C7C7A6D0-3CE1-49B9-B7D1-61BEC30CE42C}"/>
+                  <a16:creationId xmlns="" xmlns:a16="http://schemas.microsoft.com/office/drawing/2014/main" id="{C7C7A6D0-3CE1-49B9-B7D1-61BEC30CE42C}"/>
                 </a:ext>
               </a:extLst>
             </p:cNvPr>
@@ -8770,7 +8712,7 @@
             <p:cNvPr id="20" name="그림 50">
               <a:extLst>
                 <a:ext uri="{FF2B5EF4-FFF2-40B4-BE49-F238E27FC236}">
-                  <a16:creationId xmlns:a16="http://schemas.microsoft.com/office/drawing/2014/main" xmlns="" id="{B5CEBDD9-B095-4877-8DFE-A3ECA2A3A4F9}"/>
+                  <a16:creationId xmlns="" xmlns:a16="http://schemas.microsoft.com/office/drawing/2014/main" id="{B5CEBDD9-B095-4877-8DFE-A3ECA2A3A4F9}"/>
                 </a:ext>
               </a:extLst>
             </p:cNvPr>
@@ -9483,7 +9425,7 @@
   <a:extraClrSchemeLst/>
   <a:extLst>
     <a:ext uri="{05A4C25C-085E-4340-85A3-A5531E510DB2}">
-      <thm15:themeFamily xmlns:thm15="http://schemas.microsoft.com/office/thememl/2012/main" xmlns="" name="Office Theme" id="{62F939B6-93AF-4DB8-9C6B-D6C7DFDC589F}" vid="{4A3C46E8-61CC-4603-A589-7422A47A8E4A}"/>
+      <thm15:themeFamily xmlns="" xmlns:thm15="http://schemas.microsoft.com/office/thememl/2012/main" name="Office Theme" id="{62F939B6-93AF-4DB8-9C6B-D6C7DFDC589F}" vid="{4A3C46E8-61CC-4603-A589-7422A47A8E4A}"/>
     </a:ext>
   </a:extLst>
 </a:theme>
@@ -9744,7 +9686,7 @@
   <a:extraClrSchemeLst/>
   <a:extLst>
     <a:ext uri="{05A4C25C-085E-4340-85A3-A5531E510DB2}">
-      <thm15:themeFamily xmlns:thm15="http://schemas.microsoft.com/office/thememl/2012/main" xmlns="" name="Office Theme" id="{62F939B6-93AF-4DB8-9C6B-D6C7DFDC589F}" vid="{4A3C46E8-61CC-4603-A589-7422A47A8E4A}"/>
+      <thm15:themeFamily xmlns="" xmlns:thm15="http://schemas.microsoft.com/office/thememl/2012/main" name="Office Theme" id="{62F939B6-93AF-4DB8-9C6B-D6C7DFDC589F}" vid="{4A3C46E8-61CC-4603-A589-7422A47A8E4A}"/>
     </a:ext>
   </a:extLst>
 </a:theme>
@@ -10005,7 +9947,7 @@
   <a:extraClrSchemeLst/>
   <a:extLst>
     <a:ext uri="{05A4C25C-085E-4340-85A3-A5531E510DB2}">
-      <thm15:themeFamily xmlns:thm15="http://schemas.microsoft.com/office/thememl/2012/main" xmlns="" name="Office Theme" id="{62F939B6-93AF-4DB8-9C6B-D6C7DFDC589F}" vid="{4A3C46E8-61CC-4603-A589-7422A47A8E4A}"/>
+      <thm15:themeFamily xmlns="" xmlns:thm15="http://schemas.microsoft.com/office/thememl/2012/main" name="Office Theme" id="{62F939B6-93AF-4DB8-9C6B-D6C7DFDC589F}" vid="{4A3C46E8-61CC-4603-A589-7422A47A8E4A}"/>
     </a:ext>
   </a:extLst>
 </a:theme>
